--- a/Case Study 5/Data Mart.pptx
+++ b/Case Study 5/Data Mart.pptx
@@ -5,24 +5,23 @@
     <p:sldMasterId id="2147483648" r:id="rId1"/>
   </p:sldMasterIdLst>
   <p:notesMasterIdLst>
-    <p:notesMasterId r:id="rId17"/>
+    <p:notesMasterId r:id="rId16"/>
   </p:notesMasterIdLst>
   <p:sldIdLst>
     <p:sldId id="256" r:id="rId2"/>
     <p:sldId id="257" r:id="rId3"/>
     <p:sldId id="258" r:id="rId4"/>
-    <p:sldId id="259" r:id="rId5"/>
-    <p:sldId id="260" r:id="rId6"/>
-    <p:sldId id="261" r:id="rId7"/>
-    <p:sldId id="262" r:id="rId8"/>
-    <p:sldId id="263" r:id="rId9"/>
-    <p:sldId id="264" r:id="rId10"/>
-    <p:sldId id="265" r:id="rId11"/>
-    <p:sldId id="266" r:id="rId12"/>
-    <p:sldId id="267" r:id="rId13"/>
-    <p:sldId id="268" r:id="rId14"/>
-    <p:sldId id="269" r:id="rId15"/>
-    <p:sldId id="270" r:id="rId16"/>
+    <p:sldId id="260" r:id="rId5"/>
+    <p:sldId id="261" r:id="rId6"/>
+    <p:sldId id="262" r:id="rId7"/>
+    <p:sldId id="263" r:id="rId8"/>
+    <p:sldId id="264" r:id="rId9"/>
+    <p:sldId id="265" r:id="rId10"/>
+    <p:sldId id="266" r:id="rId11"/>
+    <p:sldId id="267" r:id="rId12"/>
+    <p:sldId id="268" r:id="rId13"/>
+    <p:sldId id="269" r:id="rId14"/>
+    <p:sldId id="270" r:id="rId15"/>
   </p:sldIdLst>
   <p:sldSz cx="12192000" cy="6858000"/>
   <p:notesSz cx="6858000" cy="9144000"/>
@@ -121,6 +120,11 @@
       </a:defRPr>
     </a:lvl9pPr>
   </p:defaultTextStyle>
+  <p:extLst>
+    <p:ext uri="{EFAFB233-063F-42B5-8137-9DF3F51BA10A}">
+      <p15:sldGuideLst xmlns:p15="http://schemas.microsoft.com/office/powerpoint/2012/main"/>
+    </p:ext>
+  </p:extLst>
 </p:presentation>
 </file>
 
@@ -206,7 +210,7 @@
           <a:p>
             <a:fld id="{00366D27-DF58-4C85-A8C3-A5BE98E64597}" type="datetimeFigureOut">
               <a:rPr lang="en-IN" smtClean="0"/>
-              <a:t>11-04-2024</a:t>
+              <a:t>17-04-2024</a:t>
             </a:fld>
             <a:endParaRPr lang="en-IN"/>
           </a:p>
@@ -689,7 +693,7 @@
           <a:p>
             <a:fld id="{8AF8CC8E-3BDF-4B39-A7F8-9FA8A339BB08}" type="datetime1">
               <a:rPr lang="en-IN" smtClean="0"/>
-              <a:t>11-04-2024</a:t>
+              <a:t>17-04-2024</a:t>
             </a:fld>
             <a:endParaRPr lang="en-IN"/>
           </a:p>
@@ -863,7 +867,7 @@
           <a:p>
             <a:fld id="{19F39A51-0701-4BF9-8615-A64500CF0F39}" type="datetime1">
               <a:rPr lang="en-IN" smtClean="0"/>
-              <a:t>11-04-2024</a:t>
+              <a:t>17-04-2024</a:t>
             </a:fld>
             <a:endParaRPr lang="en-IN"/>
           </a:p>
@@ -1047,7 +1051,7 @@
           <a:p>
             <a:fld id="{33004055-FB07-448F-9664-10CD3D0A7E49}" type="datetime1">
               <a:rPr lang="en-IN" smtClean="0"/>
-              <a:t>11-04-2024</a:t>
+              <a:t>17-04-2024</a:t>
             </a:fld>
             <a:endParaRPr lang="en-IN"/>
           </a:p>
@@ -1221,7 +1225,7 @@
           <a:p>
             <a:fld id="{0E0A98B7-5F2D-42E5-BCC6-EF153DDAE78D}" type="datetime1">
               <a:rPr lang="en-IN" smtClean="0"/>
-              <a:t>11-04-2024</a:t>
+              <a:t>17-04-2024</a:t>
             </a:fld>
             <a:endParaRPr lang="en-IN"/>
           </a:p>
@@ -1471,7 +1475,7 @@
           <a:p>
             <a:fld id="{7694393C-8F5F-4CFB-9879-D953088384B2}" type="datetime1">
               <a:rPr lang="en-IN" smtClean="0"/>
-              <a:t>11-04-2024</a:t>
+              <a:t>17-04-2024</a:t>
             </a:fld>
             <a:endParaRPr lang="en-IN"/>
           </a:p>
@@ -1707,7 +1711,7 @@
           <a:p>
             <a:fld id="{44BACBED-7862-4A9E-8F72-021DD0D52CAF}" type="datetime1">
               <a:rPr lang="en-IN" smtClean="0"/>
-              <a:t>11-04-2024</a:t>
+              <a:t>17-04-2024</a:t>
             </a:fld>
             <a:endParaRPr lang="en-IN"/>
           </a:p>
@@ -2078,7 +2082,7 @@
           <a:p>
             <a:fld id="{69FEDFDF-084A-4030-BFC4-AD47C56512CE}" type="datetime1">
               <a:rPr lang="en-IN" smtClean="0"/>
-              <a:t>11-04-2024</a:t>
+              <a:t>17-04-2024</a:t>
             </a:fld>
             <a:endParaRPr lang="en-IN"/>
           </a:p>
@@ -2200,7 +2204,7 @@
           <a:p>
             <a:fld id="{88EF7E2B-16AB-4874-B980-5FB64A1ED53D}" type="datetime1">
               <a:rPr lang="en-IN" smtClean="0"/>
-              <a:t>11-04-2024</a:t>
+              <a:t>17-04-2024</a:t>
             </a:fld>
             <a:endParaRPr lang="en-IN"/>
           </a:p>
@@ -2299,7 +2303,7 @@
           <a:p>
             <a:fld id="{173CBD0D-3804-4917-9FC6-2E7B263E4ED1}" type="datetime1">
               <a:rPr lang="en-IN" smtClean="0"/>
-              <a:t>11-04-2024</a:t>
+              <a:t>17-04-2024</a:t>
             </a:fld>
             <a:endParaRPr lang="en-IN"/>
           </a:p>
@@ -2580,7 +2584,7 @@
           <a:p>
             <a:fld id="{6A35B4EA-B5F7-4845-9CC7-87EE373CC1BE}" type="datetime1">
               <a:rPr lang="en-IN" smtClean="0"/>
-              <a:t>11-04-2024</a:t>
+              <a:t>17-04-2024</a:t>
             </a:fld>
             <a:endParaRPr lang="en-IN"/>
           </a:p>
@@ -2837,7 +2841,7 @@
           <a:p>
             <a:fld id="{1ACD48F1-EE3B-45FB-B544-F54DF95B4752}" type="datetime1">
               <a:rPr lang="en-IN" smtClean="0"/>
-              <a:t>11-04-2024</a:t>
+              <a:t>17-04-2024</a:t>
             </a:fld>
             <a:endParaRPr lang="en-IN"/>
           </a:p>
@@ -3054,7 +3058,7 @@
           <a:p>
             <a:fld id="{D418DDDF-6107-41C1-9A59-0ACBD5CC560B}" type="datetime1">
               <a:rPr lang="en-IN" smtClean="0"/>
-              <a:t>11-04-2024</a:t>
+              <a:t>17-04-2024</a:t>
             </a:fld>
             <a:endParaRPr lang="en-IN"/>
           </a:p>
@@ -3579,7 +3583,7 @@
           <a:p>
             <a:fld id="{B364C5B5-2BA6-4265-A6ED-38162BE6D13C}" type="datetime1">
               <a:rPr lang="en-IN" smtClean="0"/>
-              <a:t>11-04-2024</a:t>
+              <a:t>17-04-2024</a:t>
             </a:fld>
             <a:endParaRPr lang="en-IN"/>
           </a:p>
@@ -3678,7 +3682,7 @@
           <a:p>
             <a:r>
               <a:rPr lang="en-US" dirty="0" smtClean="0"/>
-              <a:t>4. What is the total sales for each region for each month?</a:t>
+              <a:t>5. What is the total count of transactions for each platform</a:t>
             </a:r>
             <a:endParaRPr lang="en-IN" dirty="0"/>
           </a:p>
@@ -3702,8 +3706,8 @@
         </p:blipFill>
         <p:spPr>
           <a:xfrm>
-            <a:off x="3785881" y="1689910"/>
-            <a:ext cx="4620237" cy="4666440"/>
+            <a:off x="2717417" y="1690688"/>
+            <a:ext cx="6757166" cy="4665662"/>
           </a:xfrm>
           <a:prstGeom prst="rect">
             <a:avLst/>
@@ -3727,7 +3731,7 @@
           <a:p>
             <a:fld id="{0E0A98B7-5F2D-42E5-BCC6-EF153DDAE78D}" type="datetime1">
               <a:rPr lang="en-IN" smtClean="0"/>
-              <a:t>11-04-2024</a:t>
+              <a:t>17-04-2024</a:t>
             </a:fld>
             <a:endParaRPr lang="en-IN"/>
           </a:p>
@@ -3782,7 +3786,7 @@
     </p:spTree>
     <p:extLst>
       <p:ext uri="{BB962C8B-B14F-4D97-AF65-F5344CB8AC3E}">
-        <p14:creationId xmlns:p14="http://schemas.microsoft.com/office/powerpoint/2010/main" val="1768008513"/>
+        <p14:creationId xmlns:p14="http://schemas.microsoft.com/office/powerpoint/2010/main" val="3295471123"/>
       </p:ext>
     </p:extLst>
   </p:cSld>
@@ -3826,7 +3830,7 @@
           <a:p>
             <a:r>
               <a:rPr lang="en-US" dirty="0" smtClean="0"/>
-              <a:t>5. What is the total count of transactions for each platform</a:t>
+              <a:t>6. What is the percentage of sales for Retail vs Shopify for each month?</a:t>
             </a:r>
             <a:endParaRPr lang="en-IN" dirty="0"/>
           </a:p>
@@ -3834,12 +3838,12 @@
       </p:sp>
       <p:pic>
         <p:nvPicPr>
-          <p:cNvPr id="7" name="Content Placeholder 6"/>
+          <p:cNvPr id="8" name="Content Placeholder 7"/>
           <p:cNvPicPr>
             <a:picLocks noGrp="1" noChangeAspect="1"/>
           </p:cNvPicPr>
           <p:nvPr>
-            <p:ph idx="1"/>
+            <p:ph sz="half" idx="1"/>
           </p:nvPr>
         </p:nvPicPr>
         <p:blipFill>
@@ -3850,17 +3854,43 @@
         </p:blipFill>
         <p:spPr>
           <a:xfrm>
-            <a:off x="2717417" y="1690688"/>
-            <a:ext cx="6757166" cy="4665662"/>
+            <a:off x="838200" y="1899743"/>
+            <a:ext cx="5272974" cy="4277219"/>
           </a:xfrm>
           <a:prstGeom prst="rect">
             <a:avLst/>
           </a:prstGeom>
         </p:spPr>
       </p:pic>
-      <p:sp>
-        <p:nvSpPr>
-          <p:cNvPr id="4" name="Date Placeholder 3"/>
+      <p:pic>
+        <p:nvPicPr>
+          <p:cNvPr id="9" name="Content Placeholder 8"/>
+          <p:cNvPicPr>
+            <a:picLocks noGrp="1" noChangeAspect="1"/>
+          </p:cNvPicPr>
+          <p:nvPr>
+            <p:ph sz="half" idx="2"/>
+          </p:nvPr>
+        </p:nvPicPr>
+        <p:blipFill>
+          <a:blip r:embed="rId3"/>
+          <a:stretch>
+            <a:fillRect/>
+          </a:stretch>
+        </p:blipFill>
+        <p:spPr>
+          <a:xfrm>
+            <a:off x="6308435" y="1686005"/>
+            <a:ext cx="4442691" cy="4670345"/>
+          </a:xfrm>
+          <a:prstGeom prst="rect">
+            <a:avLst/>
+          </a:prstGeom>
+        </p:spPr>
+      </p:pic>
+      <p:sp>
+        <p:nvSpPr>
+          <p:cNvPr id="5" name="Date Placeholder 4"/>
           <p:cNvSpPr>
             <a:spLocks noGrp="1"/>
           </p:cNvSpPr>
@@ -3873,9 +3903,9 @@
           <a:bodyPr/>
           <a:lstStyle/>
           <a:p>
-            <a:fld id="{0E0A98B7-5F2D-42E5-BCC6-EF153DDAE78D}" type="datetime1">
-              <a:rPr lang="en-IN" smtClean="0"/>
-              <a:t>11-04-2024</a:t>
+            <a:fld id="{44BACBED-7862-4A9E-8F72-021DD0D52CAF}" type="datetime1">
+              <a:rPr lang="en-IN" smtClean="0"/>
+              <a:t>17-04-2024</a:t>
             </a:fld>
             <a:endParaRPr lang="en-IN"/>
           </a:p>
@@ -3883,7 +3913,7 @@
       </p:sp>
       <p:sp>
         <p:nvSpPr>
-          <p:cNvPr id="5" name="Footer Placeholder 4"/>
+          <p:cNvPr id="6" name="Footer Placeholder 5"/>
           <p:cNvSpPr>
             <a:spLocks noGrp="1"/>
           </p:cNvSpPr>
@@ -3906,7 +3936,7 @@
       </p:sp>
       <p:sp>
         <p:nvSpPr>
-          <p:cNvPr id="6" name="Slide Number Placeholder 5"/>
+          <p:cNvPr id="7" name="Slide Number Placeholder 6"/>
           <p:cNvSpPr>
             <a:spLocks noGrp="1"/>
           </p:cNvSpPr>
@@ -3930,7 +3960,7 @@
     </p:spTree>
     <p:extLst>
       <p:ext uri="{BB962C8B-B14F-4D97-AF65-F5344CB8AC3E}">
-        <p14:creationId xmlns:p14="http://schemas.microsoft.com/office/powerpoint/2010/main" val="3295471123"/>
+        <p14:creationId xmlns:p14="http://schemas.microsoft.com/office/powerpoint/2010/main" val="3402737510"/>
       </p:ext>
     </p:extLst>
   </p:cSld>
@@ -3974,7 +4004,7 @@
           <a:p>
             <a:r>
               <a:rPr lang="en-US" dirty="0" smtClean="0"/>
-              <a:t>6. What is the percentage of sales for Retail vs Shopify for each month?</a:t>
+              <a:t>7. What is the percentage of sales by demographic for each year in the dataset?</a:t>
             </a:r>
             <a:endParaRPr lang="en-IN" dirty="0"/>
           </a:p>
@@ -3998,8 +4028,8 @@
         </p:blipFill>
         <p:spPr>
           <a:xfrm>
-            <a:off x="838200" y="1899743"/>
-            <a:ext cx="5272974" cy="4277219"/>
+            <a:off x="468745" y="2246847"/>
+            <a:ext cx="5823196" cy="3507407"/>
           </a:xfrm>
           <a:prstGeom prst="rect">
             <a:avLst/>
@@ -4024,8 +4054,8 @@
         </p:blipFill>
         <p:spPr>
           <a:xfrm>
-            <a:off x="6308435" y="1686005"/>
-            <a:ext cx="4442691" cy="4670345"/>
+            <a:off x="6286154" y="2867660"/>
+            <a:ext cx="5067646" cy="2319422"/>
           </a:xfrm>
           <a:prstGeom prst="rect">
             <a:avLst/>
@@ -4049,7 +4079,7 @@
           <a:p>
             <a:fld id="{44BACBED-7862-4A9E-8F72-021DD0D52CAF}" type="datetime1">
               <a:rPr lang="en-IN" smtClean="0"/>
-              <a:t>11-04-2024</a:t>
+              <a:t>17-04-2024</a:t>
             </a:fld>
             <a:endParaRPr lang="en-IN"/>
           </a:p>
@@ -4104,7 +4134,7 @@
     </p:spTree>
     <p:extLst>
       <p:ext uri="{BB962C8B-B14F-4D97-AF65-F5344CB8AC3E}">
-        <p14:creationId xmlns:p14="http://schemas.microsoft.com/office/powerpoint/2010/main" val="3402737510"/>
+        <p14:creationId xmlns:p14="http://schemas.microsoft.com/office/powerpoint/2010/main" val="2839415182"/>
       </p:ext>
     </p:extLst>
   </p:cSld>
@@ -4148,7 +4178,15 @@
           <a:p>
             <a:r>
               <a:rPr lang="en-US" dirty="0" smtClean="0"/>
-              <a:t>7. What is the percentage of sales by demographic for each year in the dataset?</a:t>
+              <a:t>8. Which </a:t>
+            </a:r>
+            <a:r>
+              <a:rPr lang="en-US" dirty="0" err="1" smtClean="0"/>
+              <a:t>age_band</a:t>
+            </a:r>
+            <a:r>
+              <a:rPr lang="en-US" dirty="0" smtClean="0"/>
+              <a:t> and demographic values contribute the most to Retail sales?</a:t>
             </a:r>
             <a:endParaRPr lang="en-IN" dirty="0"/>
           </a:p>
@@ -4172,8 +4210,8 @@
         </p:blipFill>
         <p:spPr>
           <a:xfrm>
-            <a:off x="838200" y="2440812"/>
-            <a:ext cx="5485830" cy="3304206"/>
+            <a:off x="120073" y="2643081"/>
+            <a:ext cx="6421582" cy="2744975"/>
           </a:xfrm>
           <a:prstGeom prst="rect">
             <a:avLst/>
@@ -4198,8 +4236,8 @@
         </p:blipFill>
         <p:spPr>
           <a:xfrm>
-            <a:off x="6286154" y="2867660"/>
-            <a:ext cx="5067646" cy="2319422"/>
+            <a:off x="6541655" y="2582732"/>
+            <a:ext cx="5181600" cy="2805324"/>
           </a:xfrm>
           <a:prstGeom prst="rect">
             <a:avLst/>
@@ -4223,7 +4261,7 @@
           <a:p>
             <a:fld id="{44BACBED-7862-4A9E-8F72-021DD0D52CAF}" type="datetime1">
               <a:rPr lang="en-IN" smtClean="0"/>
-              <a:t>11-04-2024</a:t>
+              <a:t>17-04-2024</a:t>
             </a:fld>
             <a:endParaRPr lang="en-IN"/>
           </a:p>
@@ -4278,7 +4316,7 @@
     </p:spTree>
     <p:extLst>
       <p:ext uri="{BB962C8B-B14F-4D97-AF65-F5344CB8AC3E}">
-        <p14:creationId xmlns:p14="http://schemas.microsoft.com/office/powerpoint/2010/main" val="2839415182"/>
+        <p14:creationId xmlns:p14="http://schemas.microsoft.com/office/powerpoint/2010/main" val="2710977709"/>
       </p:ext>
     </p:extLst>
   </p:cSld>
@@ -4317,188 +4355,6 @@
         </p:nvSpPr>
         <p:spPr/>
         <p:txBody>
-          <a:bodyPr/>
-          <a:lstStyle/>
-          <a:p>
-            <a:r>
-              <a:rPr lang="en-US" dirty="0" smtClean="0"/>
-              <a:t>8. Which </a:t>
-            </a:r>
-            <a:r>
-              <a:rPr lang="en-US" dirty="0" err="1" smtClean="0"/>
-              <a:t>age_band</a:t>
-            </a:r>
-            <a:r>
-              <a:rPr lang="en-US" dirty="0" smtClean="0"/>
-              <a:t> and demographic values contribute the most to Retail sales?</a:t>
-            </a:r>
-            <a:endParaRPr lang="en-IN" dirty="0"/>
-          </a:p>
-        </p:txBody>
-      </p:sp>
-      <p:pic>
-        <p:nvPicPr>
-          <p:cNvPr id="8" name="Content Placeholder 7"/>
-          <p:cNvPicPr>
-            <a:picLocks noGrp="1" noChangeAspect="1"/>
-          </p:cNvPicPr>
-          <p:nvPr>
-            <p:ph sz="half" idx="1"/>
-          </p:nvPr>
-        </p:nvPicPr>
-        <p:blipFill>
-          <a:blip r:embed="rId2"/>
-          <a:stretch>
-            <a:fillRect/>
-          </a:stretch>
-        </p:blipFill>
-        <p:spPr>
-          <a:xfrm>
-            <a:off x="838200" y="2643081"/>
-            <a:ext cx="5334000" cy="3074227"/>
-          </a:xfrm>
-          <a:prstGeom prst="rect">
-            <a:avLst/>
-          </a:prstGeom>
-        </p:spPr>
-      </p:pic>
-      <p:pic>
-        <p:nvPicPr>
-          <p:cNvPr id="9" name="Content Placeholder 8"/>
-          <p:cNvPicPr>
-            <a:picLocks noGrp="1" noChangeAspect="1"/>
-          </p:cNvPicPr>
-          <p:nvPr>
-            <p:ph sz="half" idx="2"/>
-          </p:nvPr>
-        </p:nvPicPr>
-        <p:blipFill>
-          <a:blip r:embed="rId3"/>
-          <a:stretch>
-            <a:fillRect/>
-          </a:stretch>
-        </p:blipFill>
-        <p:spPr>
-          <a:xfrm>
-            <a:off x="6172200" y="2598632"/>
-            <a:ext cx="5181600" cy="2805324"/>
-          </a:xfrm>
-          <a:prstGeom prst="rect">
-            <a:avLst/>
-          </a:prstGeom>
-        </p:spPr>
-      </p:pic>
-      <p:sp>
-        <p:nvSpPr>
-          <p:cNvPr id="5" name="Date Placeholder 4"/>
-          <p:cNvSpPr>
-            <a:spLocks noGrp="1"/>
-          </p:cNvSpPr>
-          <p:nvPr>
-            <p:ph type="dt" sz="half" idx="10"/>
-          </p:nvPr>
-        </p:nvSpPr>
-        <p:spPr/>
-        <p:txBody>
-          <a:bodyPr/>
-          <a:lstStyle/>
-          <a:p>
-            <a:fld id="{44BACBED-7862-4A9E-8F72-021DD0D52CAF}" type="datetime1">
-              <a:rPr lang="en-IN" smtClean="0"/>
-              <a:t>11-04-2024</a:t>
-            </a:fld>
-            <a:endParaRPr lang="en-IN"/>
-          </a:p>
-        </p:txBody>
-      </p:sp>
-      <p:sp>
-        <p:nvSpPr>
-          <p:cNvPr id="6" name="Footer Placeholder 5"/>
-          <p:cNvSpPr>
-            <a:spLocks noGrp="1"/>
-          </p:cNvSpPr>
-          <p:nvPr>
-            <p:ph type="ftr" sz="quarter" idx="11"/>
-          </p:nvPr>
-        </p:nvSpPr>
-        <p:spPr/>
-        <p:txBody>
-          <a:bodyPr/>
-          <a:lstStyle/>
-          <a:p>
-            <a:r>
-              <a:rPr lang="en-IN" smtClean="0"/>
-              <a:t>Case Study#5- Krishnan S</a:t>
-            </a:r>
-            <a:endParaRPr lang="en-IN"/>
-          </a:p>
-        </p:txBody>
-      </p:sp>
-      <p:sp>
-        <p:nvSpPr>
-          <p:cNvPr id="7" name="Slide Number Placeholder 6"/>
-          <p:cNvSpPr>
-            <a:spLocks noGrp="1"/>
-          </p:cNvSpPr>
-          <p:nvPr>
-            <p:ph type="sldNum" sz="quarter" idx="12"/>
-          </p:nvPr>
-        </p:nvSpPr>
-        <p:spPr/>
-        <p:txBody>
-          <a:bodyPr/>
-          <a:lstStyle/>
-          <a:p>
-            <a:fld id="{4D56EA6E-C7E6-4307-977B-6BCFDF7E5730}" type="slidenum">
-              <a:rPr lang="en-IN" smtClean="0"/>
-              <a:t>14</a:t>
-            </a:fld>
-            <a:endParaRPr lang="en-IN"/>
-          </a:p>
-        </p:txBody>
-      </p:sp>
-    </p:spTree>
-    <p:extLst>
-      <p:ext uri="{BB962C8B-B14F-4D97-AF65-F5344CB8AC3E}">
-        <p14:creationId xmlns:p14="http://schemas.microsoft.com/office/powerpoint/2010/main" val="2710977709"/>
-      </p:ext>
-    </p:extLst>
-  </p:cSld>
-  <p:clrMapOvr>
-    <a:masterClrMapping/>
-  </p:clrMapOvr>
-</p:sld>
-</file>
-
-<file path=ppt/slides/slide15.xml><?xml version="1.0" encoding="utf-8"?>
-<p:sld xmlns:a="http://schemas.openxmlformats.org/drawingml/2006/main" xmlns:r="http://schemas.openxmlformats.org/officeDocument/2006/relationships" xmlns:p="http://schemas.openxmlformats.org/presentationml/2006/main">
-  <p:cSld>
-    <p:spTree>
-      <p:nvGrpSpPr>
-        <p:cNvPr id="1" name=""/>
-        <p:cNvGrpSpPr/>
-        <p:nvPr/>
-      </p:nvGrpSpPr>
-      <p:grpSpPr>
-        <a:xfrm>
-          <a:off x="0" y="0"/>
-          <a:ext cx="0" cy="0"/>
-          <a:chOff x="0" y="0"/>
-          <a:chExt cx="0" cy="0"/>
-        </a:xfrm>
-      </p:grpSpPr>
-      <p:sp>
-        <p:nvSpPr>
-          <p:cNvPr id="2" name="Title 1"/>
-          <p:cNvSpPr>
-            <a:spLocks noGrp="1"/>
-          </p:cNvSpPr>
-          <p:nvPr>
-            <p:ph type="title"/>
-          </p:nvPr>
-        </p:nvSpPr>
-        <p:spPr/>
-        <p:txBody>
           <a:bodyPr>
             <a:noAutofit/>
           </a:bodyPr>
@@ -4589,7 +4445,7 @@
           <a:p>
             <a:fld id="{44BACBED-7862-4A9E-8F72-021DD0D52CAF}" type="datetime1">
               <a:rPr lang="en-IN" smtClean="0"/>
-              <a:t>11-04-2024</a:t>
+              <a:t>17-04-2024</a:t>
             </a:fld>
             <a:endParaRPr lang="en-IN"/>
           </a:p>
@@ -4635,7 +4491,7 @@
           <a:p>
             <a:fld id="{4D56EA6E-C7E6-4307-977B-6BCFDF7E5730}" type="slidenum">
               <a:rPr lang="en-IN" smtClean="0"/>
-              <a:t>15</a:t>
+              <a:t>14</a:t>
             </a:fld>
             <a:endParaRPr lang="en-IN"/>
           </a:p>
@@ -4813,7 +4669,7 @@
           <a:p>
             <a:fld id="{0E0A98B7-5F2D-42E5-BCC6-EF153DDAE78D}" type="datetime1">
               <a:rPr lang="en-IN" smtClean="0"/>
-              <a:t>11-04-2024</a:t>
+              <a:t>17-04-2024</a:t>
             </a:fld>
             <a:endParaRPr lang="en-IN"/>
           </a:p>
@@ -4941,7 +4797,7 @@
           <a:p>
             <a:fld id="{0E0A98B7-5F2D-42E5-BCC6-EF153DDAE78D}" type="datetime1">
               <a:rPr lang="en-IN" smtClean="0"/>
-              <a:t>11-04-2024</a:t>
+              <a:t>17-04-2024</a:t>
             </a:fld>
             <a:endParaRPr lang="en-IN"/>
           </a:p>
@@ -5056,320 +4912,37 @@
             <p:ph type="title"/>
           </p:nvPr>
         </p:nvSpPr>
-        <p:spPr/>
-        <p:txBody>
-          <a:bodyPr/>
-          <a:lstStyle/>
-          <a:p>
-            <a:r>
-              <a:rPr lang="en-IN" b="1" u="sng" dirty="0"/>
-              <a:t>1. Data Cleansing Steps</a:t>
-            </a:r>
-            <a:br>
-              <a:rPr lang="en-IN" b="1" u="sng" dirty="0"/>
-            </a:br>
-            <a:endParaRPr lang="en-IN" u="sng" dirty="0"/>
-          </a:p>
-        </p:txBody>
-      </p:sp>
-      <p:sp>
-        <p:nvSpPr>
-          <p:cNvPr id="3" name="Content Placeholder 2"/>
-          <p:cNvSpPr>
-            <a:spLocks noGrp="1"/>
-          </p:cNvSpPr>
-          <p:nvPr>
-            <p:ph idx="1"/>
-          </p:nvPr>
-        </p:nvSpPr>
         <p:spPr>
           <a:xfrm>
-            <a:off x="838200" y="997527"/>
-            <a:ext cx="10515600" cy="5486399"/>
+            <a:off x="838200" y="365125"/>
+            <a:ext cx="10515600" cy="889905"/>
           </a:xfrm>
         </p:spPr>
         <p:txBody>
-          <a:bodyPr>
-            <a:normAutofit fontScale="92500"/>
-          </a:bodyPr>
-          <a:lstStyle/>
-          <a:p>
-            <a:r>
-              <a:rPr lang="en-US" sz="1600" dirty="0" smtClean="0"/>
-              <a:t>In a single query, perform the following operations and generate a new table in the </a:t>
-            </a:r>
-            <a:r>
-              <a:rPr lang="en-US" sz="1600" dirty="0" err="1" smtClean="0"/>
-              <a:t>data_mart</a:t>
-            </a:r>
-            <a:r>
-              <a:rPr lang="en-US" sz="1600" dirty="0" smtClean="0"/>
-              <a:t> schema named </a:t>
-            </a:r>
-            <a:r>
-              <a:rPr lang="en-US" sz="1600" dirty="0" err="1" smtClean="0"/>
-              <a:t>clean_weekly_sales</a:t>
-            </a:r>
-            <a:r>
-              <a:rPr lang="en-US" sz="1600" dirty="0" smtClean="0"/>
-              <a:t>:</a:t>
-            </a:r>
-          </a:p>
-          <a:p>
-            <a:endParaRPr lang="en-US" sz="800" dirty="0" smtClean="0"/>
-          </a:p>
-          <a:p>
-            <a:pPr lvl="1"/>
-            <a:r>
-              <a:rPr lang="en-US" sz="1400" dirty="0" smtClean="0"/>
-              <a:t>Convert the </a:t>
-            </a:r>
-            <a:r>
-              <a:rPr lang="en-US" sz="1400" dirty="0" err="1" smtClean="0"/>
-              <a:t>week_date</a:t>
-            </a:r>
-            <a:r>
-              <a:rPr lang="en-US" sz="1400" dirty="0" smtClean="0"/>
-              <a:t> to a DATE format</a:t>
-            </a:r>
-          </a:p>
-          <a:p>
-            <a:pPr lvl="1"/>
-            <a:endParaRPr lang="en-US" sz="800" dirty="0" smtClean="0"/>
-          </a:p>
-          <a:p>
-            <a:pPr lvl="1"/>
-            <a:r>
-              <a:rPr lang="en-US" sz="1400" dirty="0" smtClean="0"/>
-              <a:t>Add a </a:t>
-            </a:r>
-            <a:r>
-              <a:rPr lang="en-US" sz="1400" dirty="0" err="1" smtClean="0"/>
-              <a:t>week_number</a:t>
-            </a:r>
-            <a:r>
-              <a:rPr lang="en-US" sz="1400" dirty="0" smtClean="0"/>
-              <a:t> as the second column for each </a:t>
-            </a:r>
-            <a:r>
-              <a:rPr lang="en-US" sz="1400" dirty="0" err="1" smtClean="0"/>
-              <a:t>week_date</a:t>
-            </a:r>
-            <a:r>
-              <a:rPr lang="en-US" sz="1400" dirty="0" smtClean="0"/>
-              <a:t> value, for example any value from the 1st of January to 7th of January will be 1, 8th to 14th will be 2 </a:t>
-            </a:r>
-            <a:r>
-              <a:rPr lang="en-US" sz="1400" dirty="0" err="1" smtClean="0"/>
-              <a:t>etc</a:t>
-            </a:r>
-            <a:endParaRPr lang="en-US" sz="1400" dirty="0" smtClean="0"/>
-          </a:p>
-          <a:p>
-            <a:pPr lvl="1"/>
-            <a:endParaRPr lang="en-US" sz="800" dirty="0" smtClean="0"/>
-          </a:p>
-          <a:p>
-            <a:pPr lvl="1"/>
-            <a:r>
-              <a:rPr lang="en-US" sz="1400" dirty="0" smtClean="0"/>
-              <a:t>Add a </a:t>
-            </a:r>
-            <a:r>
-              <a:rPr lang="en-US" sz="1400" dirty="0" err="1" smtClean="0"/>
-              <a:t>month_number</a:t>
-            </a:r>
-            <a:r>
-              <a:rPr lang="en-US" sz="1400" dirty="0" smtClean="0"/>
-              <a:t> with the calendar month for each </a:t>
-            </a:r>
-            <a:r>
-              <a:rPr lang="en-US" sz="1400" dirty="0" err="1" smtClean="0"/>
-              <a:t>week_date</a:t>
-            </a:r>
-            <a:r>
-              <a:rPr lang="en-US" sz="1400" dirty="0" smtClean="0"/>
-              <a:t> value as the 3rd column</a:t>
-            </a:r>
-          </a:p>
-          <a:p>
-            <a:pPr lvl="1"/>
-            <a:endParaRPr lang="en-US" sz="800" dirty="0" smtClean="0"/>
-          </a:p>
-          <a:p>
-            <a:pPr lvl="1"/>
-            <a:r>
-              <a:rPr lang="en-US" sz="1400" dirty="0" smtClean="0"/>
-              <a:t>Add a </a:t>
-            </a:r>
-            <a:r>
-              <a:rPr lang="en-US" sz="1400" dirty="0" err="1" smtClean="0"/>
-              <a:t>calendar_year</a:t>
-            </a:r>
-            <a:r>
-              <a:rPr lang="en-US" sz="1400" dirty="0" smtClean="0"/>
-              <a:t> column as the 4th column containing either 2018, 2019 or 2020 values</a:t>
-            </a:r>
-          </a:p>
-          <a:p>
-            <a:pPr lvl="1"/>
-            <a:endParaRPr lang="en-US" sz="800" dirty="0" smtClean="0"/>
-          </a:p>
-          <a:p>
-            <a:pPr lvl="1"/>
-            <a:r>
-              <a:rPr lang="en-US" sz="1400" dirty="0" smtClean="0"/>
-              <a:t>Add a new column called </a:t>
-            </a:r>
-            <a:r>
-              <a:rPr lang="en-US" sz="1400" dirty="0" err="1" smtClean="0"/>
-              <a:t>age_band</a:t>
-            </a:r>
-            <a:r>
-              <a:rPr lang="en-US" sz="1400" dirty="0" smtClean="0"/>
-              <a:t> after the original segment column using the following mapping on the number inside the segment value</a:t>
-            </a:r>
-          </a:p>
-          <a:p>
-            <a:pPr lvl="1"/>
-            <a:endParaRPr lang="en-US" dirty="0" smtClean="0"/>
-          </a:p>
-          <a:p>
-            <a:pPr lvl="1"/>
-            <a:endParaRPr lang="en-US" dirty="0"/>
-          </a:p>
-          <a:p>
-            <a:pPr lvl="1"/>
-            <a:endParaRPr lang="en-US" dirty="0" smtClean="0"/>
-          </a:p>
-          <a:p>
-            <a:pPr lvl="1"/>
-            <a:r>
-              <a:rPr lang="en-US" sz="1400" dirty="0" smtClean="0"/>
-              <a:t>Add a new demographic column using the following mapping for the first letter in the segment values</a:t>
-            </a:r>
-            <a:r>
-              <a:rPr lang="en-US" sz="1200" dirty="0" smtClean="0"/>
-              <a:t>:</a:t>
-            </a:r>
-          </a:p>
-          <a:p>
-            <a:pPr marL="457200" lvl="1" indent="0">
-              <a:buNone/>
-            </a:pPr>
-            <a:endParaRPr lang="en-US" sz="1200" dirty="0"/>
-          </a:p>
-          <a:p>
-            <a:pPr marL="457200" lvl="1" indent="0">
-              <a:buNone/>
-            </a:pPr>
-            <a:endParaRPr lang="en-US" sz="1200" dirty="0" smtClean="0"/>
-          </a:p>
-          <a:p>
-            <a:pPr lvl="1"/>
-            <a:r>
-              <a:rPr lang="en-US" sz="1500" dirty="0" smtClean="0"/>
-              <a:t>Ensure all null string values with an "unknown" string value in the original segment column as well as the new age band and demographic columns</a:t>
-            </a:r>
-          </a:p>
-          <a:p>
-            <a:pPr lvl="1"/>
-            <a:endParaRPr lang="en-US" sz="800" dirty="0" smtClean="0"/>
-          </a:p>
-          <a:p>
-            <a:pPr lvl="1"/>
-            <a:r>
-              <a:rPr lang="en-US" sz="1500" dirty="0" smtClean="0"/>
-              <a:t>Generate a new </a:t>
-            </a:r>
-            <a:r>
-              <a:rPr lang="en-US" sz="1500" dirty="0" err="1" smtClean="0"/>
-              <a:t>avg_transaction</a:t>
-            </a:r>
-            <a:r>
-              <a:rPr lang="en-US" sz="1500" dirty="0" smtClean="0"/>
-              <a:t> column as the sales value divided by transactions rounded to 2 decimal places for each record</a:t>
-            </a:r>
-            <a:endParaRPr lang="en-IN" sz="1500" dirty="0"/>
-          </a:p>
-        </p:txBody>
-      </p:sp>
-      <p:sp>
-        <p:nvSpPr>
-          <p:cNvPr id="4" name="Date Placeholder 3"/>
-          <p:cNvSpPr>
-            <a:spLocks noGrp="1"/>
-          </p:cNvSpPr>
-          <p:nvPr>
-            <p:ph type="dt" sz="half" idx="10"/>
-          </p:nvPr>
-        </p:nvSpPr>
-        <p:spPr/>
-        <p:txBody>
-          <a:bodyPr/>
-          <a:lstStyle/>
-          <a:p>
-            <a:fld id="{0E0A98B7-5F2D-42E5-BCC6-EF153DDAE78D}" type="datetime1">
-              <a:rPr lang="en-IN" smtClean="0"/>
-              <a:t>11-04-2024</a:t>
-            </a:fld>
-            <a:endParaRPr lang="en-IN"/>
-          </a:p>
-        </p:txBody>
-      </p:sp>
-      <p:sp>
-        <p:nvSpPr>
-          <p:cNvPr id="5" name="Footer Placeholder 4"/>
-          <p:cNvSpPr>
-            <a:spLocks noGrp="1"/>
-          </p:cNvSpPr>
-          <p:nvPr>
-            <p:ph type="ftr" sz="quarter" idx="11"/>
-          </p:nvPr>
-        </p:nvSpPr>
-        <p:spPr/>
-        <p:txBody>
-          <a:bodyPr/>
-          <a:lstStyle/>
-          <a:p>
-            <a:r>
-              <a:rPr lang="en-IN" smtClean="0"/>
-              <a:t>Case Study#5- Krishnan S</a:t>
-            </a:r>
-            <a:endParaRPr lang="en-IN"/>
-          </a:p>
-        </p:txBody>
-      </p:sp>
-      <p:sp>
-        <p:nvSpPr>
-          <p:cNvPr id="6" name="Slide Number Placeholder 5"/>
-          <p:cNvSpPr>
-            <a:spLocks noGrp="1"/>
-          </p:cNvSpPr>
-          <p:nvPr>
-            <p:ph type="sldNum" sz="quarter" idx="12"/>
-          </p:nvPr>
-        </p:nvSpPr>
-        <p:spPr/>
-        <p:txBody>
-          <a:bodyPr/>
-          <a:lstStyle/>
-          <a:p>
-            <a:fld id="{4D56EA6E-C7E6-4307-977B-6BCFDF7E5730}" type="slidenum">
-              <a:rPr lang="en-IN" smtClean="0"/>
-              <a:t>4</a:t>
-            </a:fld>
-            <a:endParaRPr lang="en-IN"/>
+          <a:bodyPr/>
+          <a:lstStyle/>
+          <a:p>
+            <a:r>
+              <a:rPr lang="en-IN" b="1" u="sng" dirty="0"/>
+              <a:t>1. Data </a:t>
+            </a:r>
+            <a:r>
+              <a:rPr lang="en-IN" b="1" u="sng" dirty="0" smtClean="0"/>
+              <a:t>Cleansing</a:t>
+            </a:r>
+            <a:endParaRPr lang="en-IN" b="1" u="sng" dirty="0"/>
           </a:p>
         </p:txBody>
       </p:sp>
       <p:pic>
         <p:nvPicPr>
-          <p:cNvPr id="8" name="Picture 7"/>
+          <p:cNvPr id="8" name="Content Placeholder 7"/>
           <p:cNvPicPr>
-            <a:picLocks noChangeAspect="1"/>
+            <a:picLocks noGrp="1" noChangeAspect="1"/>
           </p:cNvPicPr>
-          <p:nvPr/>
+          <p:nvPr>
+            <p:ph sz="half" idx="1"/>
+          </p:nvPr>
         </p:nvPicPr>
         <p:blipFill>
           <a:blip r:embed="rId2"/>
@@ -5379,8 +4952,8 @@
         </p:blipFill>
         <p:spPr>
           <a:xfrm>
-            <a:off x="4690286" y="3500200"/>
-            <a:ext cx="1553496" cy="1174213"/>
+            <a:off x="2309" y="1920085"/>
+            <a:ext cx="5501658" cy="3383007"/>
           </a:xfrm>
           <a:prstGeom prst="rect">
             <a:avLst/>
@@ -5389,11 +4962,13 @@
       </p:pic>
       <p:pic>
         <p:nvPicPr>
-          <p:cNvPr id="10" name="Picture 9"/>
+          <p:cNvPr id="10" name="Content Placeholder 9"/>
           <p:cNvPicPr>
-            <a:picLocks noChangeAspect="1"/>
+            <a:picLocks noGrp="1" noChangeAspect="1"/>
           </p:cNvPicPr>
-          <p:nvPr/>
+          <p:nvPr>
+            <p:ph sz="half" idx="2"/>
+          </p:nvPr>
         </p:nvPicPr>
         <p:blipFill>
           <a:blip r:embed="rId3"/>
@@ -5403,18 +4978,87 @@
         </p:blipFill>
         <p:spPr>
           <a:xfrm>
-            <a:off x="8553139" y="4342108"/>
-            <a:ext cx="1429061" cy="868546"/>
+            <a:off x="5501658" y="2308288"/>
+            <a:ext cx="6607215" cy="2994804"/>
           </a:xfrm>
           <a:prstGeom prst="rect">
             <a:avLst/>
           </a:prstGeom>
         </p:spPr>
       </p:pic>
+      <p:sp>
+        <p:nvSpPr>
+          <p:cNvPr id="5" name="Date Placeholder 4"/>
+          <p:cNvSpPr>
+            <a:spLocks noGrp="1"/>
+          </p:cNvSpPr>
+          <p:nvPr>
+            <p:ph type="dt" sz="half" idx="10"/>
+          </p:nvPr>
+        </p:nvSpPr>
+        <p:spPr/>
+        <p:txBody>
+          <a:bodyPr/>
+          <a:lstStyle/>
+          <a:p>
+            <a:fld id="{44BACBED-7862-4A9E-8F72-021DD0D52CAF}" type="datetime1">
+              <a:rPr lang="en-IN" smtClean="0"/>
+              <a:t>17-04-2024</a:t>
+            </a:fld>
+            <a:endParaRPr lang="en-IN"/>
+          </a:p>
+        </p:txBody>
+      </p:sp>
+      <p:sp>
+        <p:nvSpPr>
+          <p:cNvPr id="6" name="Footer Placeholder 5"/>
+          <p:cNvSpPr>
+            <a:spLocks noGrp="1"/>
+          </p:cNvSpPr>
+          <p:nvPr>
+            <p:ph type="ftr" sz="quarter" idx="11"/>
+          </p:nvPr>
+        </p:nvSpPr>
+        <p:spPr/>
+        <p:txBody>
+          <a:bodyPr/>
+          <a:lstStyle/>
+          <a:p>
+            <a:r>
+              <a:rPr lang="en-IN" smtClean="0"/>
+              <a:t>Case Study#5- Krishnan S</a:t>
+            </a:r>
+            <a:endParaRPr lang="en-IN"/>
+          </a:p>
+        </p:txBody>
+      </p:sp>
+      <p:sp>
+        <p:nvSpPr>
+          <p:cNvPr id="7" name="Slide Number Placeholder 6"/>
+          <p:cNvSpPr>
+            <a:spLocks noGrp="1"/>
+          </p:cNvSpPr>
+          <p:nvPr>
+            <p:ph type="sldNum" sz="quarter" idx="12"/>
+          </p:nvPr>
+        </p:nvSpPr>
+        <p:spPr/>
+        <p:txBody>
+          <a:bodyPr/>
+          <a:lstStyle/>
+          <a:p>
+            <a:fld id="{4D56EA6E-C7E6-4307-977B-6BCFDF7E5730}" type="slidenum">
+              <a:rPr lang="en-IN" smtClean="0"/>
+              <a:t>4</a:t>
+            </a:fld>
+            <a:endParaRPr lang="en-IN"/>
+          </a:p>
+        </p:txBody>
+      </p:sp>
     </p:spTree>
     <p:extLst>
       <p:ext uri="{BB962C8B-B14F-4D97-AF65-F5344CB8AC3E}">
-        <p14:creationId xmlns:p14="http://schemas.microsoft.com/office/powerpoint/2010/main" val="1734430604"/>
+        <p14:creationId xmlns:p14="http://schemas.microsoft.com/office/powerpoint/2010/main" val="3780787516"/>
       </p:ext>
     </p:extLst>
   </p:cSld>
@@ -5457,71 +5101,157 @@
           <a:lstStyle/>
           <a:p>
             <a:r>
-              <a:rPr lang="en-US" b="1" u="sng" dirty="0" smtClean="0"/>
-              <a:t>SOLUTION</a:t>
+              <a:rPr lang="en-IN" b="1" u="sng" dirty="0"/>
+              <a:t>2. Data Exploration</a:t>
             </a:r>
             <a:br>
-              <a:rPr lang="en-US" b="1" u="sng" dirty="0" smtClean="0"/>
+              <a:rPr lang="en-IN" b="1" u="sng" dirty="0"/>
             </a:br>
-            <a:endParaRPr lang="en-IN" b="1" u="sng" dirty="0"/>
-          </a:p>
-        </p:txBody>
-      </p:sp>
-      <p:pic>
-        <p:nvPicPr>
-          <p:cNvPr id="8" name="Content Placeholder 7"/>
-          <p:cNvPicPr>
-            <a:picLocks noGrp="1" noChangeAspect="1"/>
-          </p:cNvPicPr>
-          <p:nvPr>
-            <p:ph sz="half" idx="1"/>
-          </p:nvPr>
-        </p:nvPicPr>
-        <p:blipFill>
-          <a:blip r:embed="rId2"/>
-          <a:stretch>
-            <a:fillRect/>
-          </a:stretch>
-        </p:blipFill>
+            <a:endParaRPr lang="en-IN" u="sng" dirty="0"/>
+          </a:p>
+        </p:txBody>
+      </p:sp>
+      <p:sp>
+        <p:nvSpPr>
+          <p:cNvPr id="3" name="Content Placeholder 2"/>
+          <p:cNvSpPr>
+            <a:spLocks noGrp="1"/>
+          </p:cNvSpPr>
+          <p:nvPr>
+            <p:ph idx="1"/>
+          </p:nvPr>
+        </p:nvSpPr>
         <p:spPr>
           <a:xfrm>
-            <a:off x="0" y="1920085"/>
-            <a:ext cx="5501658" cy="3383007"/>
+            <a:off x="838200" y="1237673"/>
+            <a:ext cx="10515600" cy="4939290"/>
           </a:xfrm>
-          <a:prstGeom prst="rect">
-            <a:avLst/>
-          </a:prstGeom>
         </p:spPr>
-      </p:pic>
-      <p:pic>
-        <p:nvPicPr>
-          <p:cNvPr id="10" name="Content Placeholder 9"/>
-          <p:cNvPicPr>
-            <a:picLocks noGrp="1" noChangeAspect="1"/>
-          </p:cNvPicPr>
-          <p:nvPr>
-            <p:ph sz="half" idx="2"/>
-          </p:nvPr>
-        </p:nvPicPr>
-        <p:blipFill>
-          <a:blip r:embed="rId3"/>
-          <a:stretch>
-            <a:fillRect/>
-          </a:stretch>
-        </p:blipFill>
-        <p:spPr>
-          <a:xfrm>
-            <a:off x="5501658" y="2308288"/>
-            <a:ext cx="6607215" cy="2994804"/>
-          </a:xfrm>
-          <a:prstGeom prst="rect">
-            <a:avLst/>
-          </a:prstGeom>
-        </p:spPr>
-      </p:pic>
-      <p:sp>
-        <p:nvSpPr>
-          <p:cNvPr id="5" name="Date Placeholder 4"/>
+        <p:txBody>
+          <a:bodyPr>
+            <a:normAutofit fontScale="92500" lnSpcReduction="20000"/>
+          </a:bodyPr>
+          <a:lstStyle/>
+          <a:p>
+            <a:pPr marL="514350" indent="-514350">
+              <a:buFont typeface="+mj-lt"/>
+              <a:buAutoNum type="arabicPeriod"/>
+            </a:pPr>
+            <a:r>
+              <a:rPr lang="en-US" dirty="0" smtClean="0"/>
+              <a:t>What day of the week is used for each </a:t>
+            </a:r>
+            <a:r>
+              <a:rPr lang="en-US" dirty="0" err="1" smtClean="0"/>
+              <a:t>week_date</a:t>
+            </a:r>
+            <a:r>
+              <a:rPr lang="en-US" dirty="0" smtClean="0"/>
+              <a:t> value?</a:t>
+            </a:r>
+          </a:p>
+          <a:p>
+            <a:pPr marL="514350" indent="-514350">
+              <a:buFont typeface="+mj-lt"/>
+              <a:buAutoNum type="arabicPeriod"/>
+            </a:pPr>
+            <a:r>
+              <a:rPr lang="en-US" dirty="0" smtClean="0"/>
+              <a:t>What range of week numbers are missing from the dataset?</a:t>
+            </a:r>
+          </a:p>
+          <a:p>
+            <a:pPr marL="514350" indent="-514350">
+              <a:buFont typeface="+mj-lt"/>
+              <a:buAutoNum type="arabicPeriod"/>
+            </a:pPr>
+            <a:r>
+              <a:rPr lang="en-US" dirty="0" smtClean="0"/>
+              <a:t>How many total transactions were there for each year in the dataset?</a:t>
+            </a:r>
+          </a:p>
+          <a:p>
+            <a:pPr marL="514350" indent="-514350">
+              <a:buFont typeface="+mj-lt"/>
+              <a:buAutoNum type="arabicPeriod"/>
+            </a:pPr>
+            <a:r>
+              <a:rPr lang="en-US" dirty="0" smtClean="0"/>
+              <a:t>What is the total sales for each region for each month?</a:t>
+            </a:r>
+          </a:p>
+          <a:p>
+            <a:pPr marL="514350" indent="-514350">
+              <a:buFont typeface="+mj-lt"/>
+              <a:buAutoNum type="arabicPeriod"/>
+            </a:pPr>
+            <a:r>
+              <a:rPr lang="en-US" dirty="0" smtClean="0"/>
+              <a:t>What is the total count of transactions for each platform</a:t>
+            </a:r>
+          </a:p>
+          <a:p>
+            <a:pPr marL="514350" indent="-514350">
+              <a:buFont typeface="+mj-lt"/>
+              <a:buAutoNum type="arabicPeriod"/>
+            </a:pPr>
+            <a:r>
+              <a:rPr lang="en-US" dirty="0" smtClean="0"/>
+              <a:t>What is the percentage of sales for Retail vs Shopify for each month?</a:t>
+            </a:r>
+          </a:p>
+          <a:p>
+            <a:pPr marL="514350" indent="-514350">
+              <a:buFont typeface="+mj-lt"/>
+              <a:buAutoNum type="arabicPeriod"/>
+            </a:pPr>
+            <a:r>
+              <a:rPr lang="en-US" dirty="0" smtClean="0"/>
+              <a:t>What is the percentage of sales by demographic for each year in the dataset?</a:t>
+            </a:r>
+          </a:p>
+          <a:p>
+            <a:pPr marL="514350" indent="-514350">
+              <a:buFont typeface="+mj-lt"/>
+              <a:buAutoNum type="arabicPeriod"/>
+            </a:pPr>
+            <a:r>
+              <a:rPr lang="en-US" dirty="0" smtClean="0"/>
+              <a:t>Which </a:t>
+            </a:r>
+            <a:r>
+              <a:rPr lang="en-US" dirty="0" err="1" smtClean="0"/>
+              <a:t>age_band</a:t>
+            </a:r>
+            <a:r>
+              <a:rPr lang="en-US" dirty="0" smtClean="0"/>
+              <a:t> and demographic values contribute the most to Retail sales?</a:t>
+            </a:r>
+          </a:p>
+          <a:p>
+            <a:pPr marL="514350" indent="-514350">
+              <a:buFont typeface="+mj-lt"/>
+              <a:buAutoNum type="arabicPeriod"/>
+            </a:pPr>
+            <a:r>
+              <a:rPr lang="en-US" dirty="0" smtClean="0"/>
+              <a:t>Can we use the </a:t>
+            </a:r>
+            <a:r>
+              <a:rPr lang="en-US" dirty="0" err="1" smtClean="0"/>
+              <a:t>avg_transaction</a:t>
+            </a:r>
+            <a:r>
+              <a:rPr lang="en-US" dirty="0" smtClean="0"/>
+              <a:t> column to find the average transaction size for each year for Retail vs Shopify? If not - how would you calculate it instead?</a:t>
+            </a:r>
+            <a:endParaRPr lang="en-IN" dirty="0"/>
+          </a:p>
+        </p:txBody>
+      </p:sp>
+      <p:sp>
+        <p:nvSpPr>
+          <p:cNvPr id="4" name="Date Placeholder 3"/>
           <p:cNvSpPr>
             <a:spLocks noGrp="1"/>
           </p:cNvSpPr>
@@ -5534,9 +5264,9 @@
           <a:bodyPr/>
           <a:lstStyle/>
           <a:p>
-            <a:fld id="{44BACBED-7862-4A9E-8F72-021DD0D52CAF}" type="datetime1">
-              <a:rPr lang="en-IN" smtClean="0"/>
-              <a:t>11-04-2024</a:t>
+            <a:fld id="{0E0A98B7-5F2D-42E5-BCC6-EF153DDAE78D}" type="datetime1">
+              <a:rPr lang="en-IN" smtClean="0"/>
+              <a:t>17-04-2024</a:t>
             </a:fld>
             <a:endParaRPr lang="en-IN"/>
           </a:p>
@@ -5544,7 +5274,7 @@
       </p:sp>
       <p:sp>
         <p:nvSpPr>
-          <p:cNvPr id="6" name="Footer Placeholder 5"/>
+          <p:cNvPr id="5" name="Footer Placeholder 4"/>
           <p:cNvSpPr>
             <a:spLocks noGrp="1"/>
           </p:cNvSpPr>
@@ -5558,16 +5288,16 @@
           <a:lstStyle/>
           <a:p>
             <a:r>
-              <a:rPr lang="en-IN" smtClean="0"/>
+              <a:rPr lang="en-IN" dirty="0" smtClean="0"/>
               <a:t>Case Study#5- Krishnan S</a:t>
             </a:r>
-            <a:endParaRPr lang="en-IN"/>
-          </a:p>
-        </p:txBody>
-      </p:sp>
-      <p:sp>
-        <p:nvSpPr>
-          <p:cNvPr id="7" name="Slide Number Placeholder 6"/>
+            <a:endParaRPr lang="en-IN" dirty="0"/>
+          </a:p>
+        </p:txBody>
+      </p:sp>
+      <p:sp>
+        <p:nvSpPr>
+          <p:cNvPr id="6" name="Slide Number Placeholder 5"/>
           <p:cNvSpPr>
             <a:spLocks noGrp="1"/>
           </p:cNvSpPr>
@@ -5591,7 +5321,7 @@
     </p:spTree>
     <p:extLst>
       <p:ext uri="{BB962C8B-B14F-4D97-AF65-F5344CB8AC3E}">
-        <p14:creationId xmlns:p14="http://schemas.microsoft.com/office/powerpoint/2010/main" val="3780787516"/>
+        <p14:creationId xmlns:p14="http://schemas.microsoft.com/office/powerpoint/2010/main" val="2389473839"/>
       </p:ext>
     </p:extLst>
   </p:cSld>
@@ -5634,154 +5364,47 @@
           <a:lstStyle/>
           <a:p>
             <a:r>
-              <a:rPr lang="en-IN" b="1" u="sng" dirty="0"/>
-              <a:t>2. Data Exploration</a:t>
-            </a:r>
-            <a:br>
-              <a:rPr lang="en-IN" b="1" u="sng" dirty="0"/>
-            </a:br>
-            <a:endParaRPr lang="en-IN" u="sng" dirty="0"/>
-          </a:p>
-        </p:txBody>
-      </p:sp>
-      <p:sp>
-        <p:nvSpPr>
-          <p:cNvPr id="3" name="Content Placeholder 2"/>
-          <p:cNvSpPr>
-            <a:spLocks noGrp="1"/>
-          </p:cNvSpPr>
+              <a:rPr lang="en-US" dirty="0" smtClean="0"/>
+              <a:t>1. What day of the week is used for each </a:t>
+            </a:r>
+            <a:r>
+              <a:rPr lang="en-US" dirty="0" err="1" smtClean="0"/>
+              <a:t>week_date</a:t>
+            </a:r>
+            <a:r>
+              <a:rPr lang="en-US" dirty="0" smtClean="0"/>
+              <a:t> value?</a:t>
+            </a:r>
+            <a:endParaRPr lang="en-IN" dirty="0"/>
+          </a:p>
+        </p:txBody>
+      </p:sp>
+      <p:pic>
+        <p:nvPicPr>
+          <p:cNvPr id="7" name="Content Placeholder 6"/>
+          <p:cNvPicPr>
+            <a:picLocks noGrp="1" noChangeAspect="1"/>
+          </p:cNvPicPr>
           <p:nvPr>
             <p:ph idx="1"/>
           </p:nvPr>
-        </p:nvSpPr>
+        </p:nvPicPr>
+        <p:blipFill>
+          <a:blip r:embed="rId2"/>
+          <a:stretch>
+            <a:fillRect/>
+          </a:stretch>
+        </p:blipFill>
         <p:spPr>
           <a:xfrm>
-            <a:off x="838200" y="1237673"/>
-            <a:ext cx="10515600" cy="4939290"/>
+            <a:off x="1703613" y="1867524"/>
+            <a:ext cx="8784774" cy="4488826"/>
           </a:xfrm>
+          <a:prstGeom prst="rect">
+            <a:avLst/>
+          </a:prstGeom>
         </p:spPr>
-        <p:txBody>
-          <a:bodyPr>
-            <a:normAutofit fontScale="92500" lnSpcReduction="20000"/>
-          </a:bodyPr>
-          <a:lstStyle/>
-          <a:p>
-            <a:pPr marL="514350" indent="-514350">
-              <a:buFont typeface="+mj-lt"/>
-              <a:buAutoNum type="arabicPeriod"/>
-            </a:pPr>
-            <a:r>
-              <a:rPr lang="en-US" dirty="0" smtClean="0"/>
-              <a:t>What day of the week is used for each </a:t>
-            </a:r>
-            <a:r>
-              <a:rPr lang="en-US" dirty="0" err="1" smtClean="0"/>
-              <a:t>week_date</a:t>
-            </a:r>
-            <a:r>
-              <a:rPr lang="en-US" dirty="0" smtClean="0"/>
-              <a:t> value?</a:t>
-            </a:r>
-          </a:p>
-          <a:p>
-            <a:pPr marL="514350" indent="-514350">
-              <a:buFont typeface="+mj-lt"/>
-              <a:buAutoNum type="arabicPeriod"/>
-            </a:pPr>
-            <a:r>
-              <a:rPr lang="en-US" dirty="0" smtClean="0"/>
-              <a:t>What range of week numbers are missing from the dataset?</a:t>
-            </a:r>
-          </a:p>
-          <a:p>
-            <a:pPr marL="514350" indent="-514350">
-              <a:buFont typeface="+mj-lt"/>
-              <a:buAutoNum type="arabicPeriod"/>
-            </a:pPr>
-            <a:r>
-              <a:rPr lang="en-US" dirty="0" smtClean="0"/>
-              <a:t>How many total transactions were there for each year in the dataset?</a:t>
-            </a:r>
-          </a:p>
-          <a:p>
-            <a:pPr marL="514350" indent="-514350">
-              <a:buFont typeface="+mj-lt"/>
-              <a:buAutoNum type="arabicPeriod"/>
-            </a:pPr>
-            <a:r>
-              <a:rPr lang="en-US" dirty="0" smtClean="0"/>
-              <a:t>What is the total sales for each region for each month?</a:t>
-            </a:r>
-          </a:p>
-          <a:p>
-            <a:pPr marL="514350" indent="-514350">
-              <a:buFont typeface="+mj-lt"/>
-              <a:buAutoNum type="arabicPeriod"/>
-            </a:pPr>
-            <a:r>
-              <a:rPr lang="en-US" dirty="0" smtClean="0"/>
-              <a:t>What is the total count of transactions for each platform</a:t>
-            </a:r>
-          </a:p>
-          <a:p>
-            <a:pPr marL="514350" indent="-514350">
-              <a:buFont typeface="+mj-lt"/>
-              <a:buAutoNum type="arabicPeriod"/>
-            </a:pPr>
-            <a:r>
-              <a:rPr lang="en-US" dirty="0" smtClean="0"/>
-              <a:t>What is the percentage of sales for Retail vs Shopify for each month?</a:t>
-            </a:r>
-          </a:p>
-          <a:p>
-            <a:pPr marL="514350" indent="-514350">
-              <a:buFont typeface="+mj-lt"/>
-              <a:buAutoNum type="arabicPeriod"/>
-            </a:pPr>
-            <a:r>
-              <a:rPr lang="en-US" dirty="0" smtClean="0"/>
-              <a:t>What is the percentage of sales by demographic for each year in the dataset?</a:t>
-            </a:r>
-          </a:p>
-          <a:p>
-            <a:pPr marL="514350" indent="-514350">
-              <a:buFont typeface="+mj-lt"/>
-              <a:buAutoNum type="arabicPeriod"/>
-            </a:pPr>
-            <a:r>
-              <a:rPr lang="en-US" dirty="0" smtClean="0"/>
-              <a:t>Which </a:t>
-            </a:r>
-            <a:r>
-              <a:rPr lang="en-US" dirty="0" err="1" smtClean="0"/>
-              <a:t>age_band</a:t>
-            </a:r>
-            <a:r>
-              <a:rPr lang="en-US" dirty="0" smtClean="0"/>
-              <a:t> and demographic values contribute the most to Retail sales?</a:t>
-            </a:r>
-          </a:p>
-          <a:p>
-            <a:pPr marL="514350" indent="-514350">
-              <a:buFont typeface="+mj-lt"/>
-              <a:buAutoNum type="arabicPeriod"/>
-            </a:pPr>
-            <a:r>
-              <a:rPr lang="en-US" dirty="0" smtClean="0"/>
-              <a:t>Can we use the </a:t>
-            </a:r>
-            <a:r>
-              <a:rPr lang="en-US" dirty="0" err="1" smtClean="0"/>
-              <a:t>avg_transaction</a:t>
-            </a:r>
-            <a:r>
-              <a:rPr lang="en-US" dirty="0" smtClean="0"/>
-              <a:t> column to find the average transaction size for each year for Retail vs Shopify? If not - how would you calculate it instead?</a:t>
-            </a:r>
-            <a:endParaRPr lang="en-IN" dirty="0"/>
-          </a:p>
-        </p:txBody>
-      </p:sp>
+      </p:pic>
       <p:sp>
         <p:nvSpPr>
           <p:cNvPr id="4" name="Date Placeholder 3"/>
@@ -5799,7 +5422,7 @@
           <a:p>
             <a:fld id="{0E0A98B7-5F2D-42E5-BCC6-EF153DDAE78D}" type="datetime1">
               <a:rPr lang="en-IN" smtClean="0"/>
-              <a:t>11-04-2024</a:t>
+              <a:t>17-04-2024</a:t>
             </a:fld>
             <a:endParaRPr lang="en-IN"/>
           </a:p>
@@ -5821,10 +5444,10 @@
           <a:lstStyle/>
           <a:p>
             <a:r>
-              <a:rPr lang="en-IN" dirty="0" smtClean="0"/>
+              <a:rPr lang="en-IN" smtClean="0"/>
               <a:t>Case Study#5- Krishnan S</a:t>
             </a:r>
-            <a:endParaRPr lang="en-IN" dirty="0"/>
+            <a:endParaRPr lang="en-IN"/>
           </a:p>
         </p:txBody>
       </p:sp>
@@ -5854,7 +5477,7 @@
     </p:spTree>
     <p:extLst>
       <p:ext uri="{BB962C8B-B14F-4D97-AF65-F5344CB8AC3E}">
-        <p14:creationId xmlns:p14="http://schemas.microsoft.com/office/powerpoint/2010/main" val="2389473839"/>
+        <p14:creationId xmlns:p14="http://schemas.microsoft.com/office/powerpoint/2010/main" val="3158810192"/>
       </p:ext>
     </p:extLst>
   </p:cSld>
@@ -5898,162 +5521,6 @@
           <a:p>
             <a:r>
               <a:rPr lang="en-US" dirty="0" smtClean="0"/>
-              <a:t>1. What day of the week is used for each </a:t>
-            </a:r>
-            <a:r>
-              <a:rPr lang="en-US" dirty="0" err="1" smtClean="0"/>
-              <a:t>week_date</a:t>
-            </a:r>
-            <a:r>
-              <a:rPr lang="en-US" dirty="0" smtClean="0"/>
-              <a:t> value?</a:t>
-            </a:r>
-            <a:endParaRPr lang="en-IN" dirty="0"/>
-          </a:p>
-        </p:txBody>
-      </p:sp>
-      <p:pic>
-        <p:nvPicPr>
-          <p:cNvPr id="7" name="Content Placeholder 6"/>
-          <p:cNvPicPr>
-            <a:picLocks noGrp="1" noChangeAspect="1"/>
-          </p:cNvPicPr>
-          <p:nvPr>
-            <p:ph idx="1"/>
-          </p:nvPr>
-        </p:nvPicPr>
-        <p:blipFill>
-          <a:blip r:embed="rId2"/>
-          <a:stretch>
-            <a:fillRect/>
-          </a:stretch>
-        </p:blipFill>
-        <p:spPr>
-          <a:xfrm>
-            <a:off x="1703613" y="1867524"/>
-            <a:ext cx="8784774" cy="4488826"/>
-          </a:xfrm>
-          <a:prstGeom prst="rect">
-            <a:avLst/>
-          </a:prstGeom>
-        </p:spPr>
-      </p:pic>
-      <p:sp>
-        <p:nvSpPr>
-          <p:cNvPr id="4" name="Date Placeholder 3"/>
-          <p:cNvSpPr>
-            <a:spLocks noGrp="1"/>
-          </p:cNvSpPr>
-          <p:nvPr>
-            <p:ph type="dt" sz="half" idx="10"/>
-          </p:nvPr>
-        </p:nvSpPr>
-        <p:spPr/>
-        <p:txBody>
-          <a:bodyPr/>
-          <a:lstStyle/>
-          <a:p>
-            <a:fld id="{0E0A98B7-5F2D-42E5-BCC6-EF153DDAE78D}" type="datetime1">
-              <a:rPr lang="en-IN" smtClean="0"/>
-              <a:t>11-04-2024</a:t>
-            </a:fld>
-            <a:endParaRPr lang="en-IN"/>
-          </a:p>
-        </p:txBody>
-      </p:sp>
-      <p:sp>
-        <p:nvSpPr>
-          <p:cNvPr id="5" name="Footer Placeholder 4"/>
-          <p:cNvSpPr>
-            <a:spLocks noGrp="1"/>
-          </p:cNvSpPr>
-          <p:nvPr>
-            <p:ph type="ftr" sz="quarter" idx="11"/>
-          </p:nvPr>
-        </p:nvSpPr>
-        <p:spPr/>
-        <p:txBody>
-          <a:bodyPr/>
-          <a:lstStyle/>
-          <a:p>
-            <a:r>
-              <a:rPr lang="en-IN" smtClean="0"/>
-              <a:t>Case Study#5- Krishnan S</a:t>
-            </a:r>
-            <a:endParaRPr lang="en-IN"/>
-          </a:p>
-        </p:txBody>
-      </p:sp>
-      <p:sp>
-        <p:nvSpPr>
-          <p:cNvPr id="6" name="Slide Number Placeholder 5"/>
-          <p:cNvSpPr>
-            <a:spLocks noGrp="1"/>
-          </p:cNvSpPr>
-          <p:nvPr>
-            <p:ph type="sldNum" sz="quarter" idx="12"/>
-          </p:nvPr>
-        </p:nvSpPr>
-        <p:spPr/>
-        <p:txBody>
-          <a:bodyPr/>
-          <a:lstStyle/>
-          <a:p>
-            <a:fld id="{4D56EA6E-C7E6-4307-977B-6BCFDF7E5730}" type="slidenum">
-              <a:rPr lang="en-IN" smtClean="0"/>
-              <a:t>7</a:t>
-            </a:fld>
-            <a:endParaRPr lang="en-IN"/>
-          </a:p>
-        </p:txBody>
-      </p:sp>
-    </p:spTree>
-    <p:extLst>
-      <p:ext uri="{BB962C8B-B14F-4D97-AF65-F5344CB8AC3E}">
-        <p14:creationId xmlns:p14="http://schemas.microsoft.com/office/powerpoint/2010/main" val="3158810192"/>
-      </p:ext>
-    </p:extLst>
-  </p:cSld>
-  <p:clrMapOvr>
-    <a:masterClrMapping/>
-  </p:clrMapOvr>
-</p:sld>
-</file>
-
-<file path=ppt/slides/slide8.xml><?xml version="1.0" encoding="utf-8"?>
-<p:sld xmlns:a="http://schemas.openxmlformats.org/drawingml/2006/main" xmlns:r="http://schemas.openxmlformats.org/officeDocument/2006/relationships" xmlns:p="http://schemas.openxmlformats.org/presentationml/2006/main">
-  <p:cSld>
-    <p:spTree>
-      <p:nvGrpSpPr>
-        <p:cNvPr id="1" name=""/>
-        <p:cNvGrpSpPr/>
-        <p:nvPr/>
-      </p:nvGrpSpPr>
-      <p:grpSpPr>
-        <a:xfrm>
-          <a:off x="0" y="0"/>
-          <a:ext cx="0" cy="0"/>
-          <a:chOff x="0" y="0"/>
-          <a:chExt cx="0" cy="0"/>
-        </a:xfrm>
-      </p:grpSpPr>
-      <p:sp>
-        <p:nvSpPr>
-          <p:cNvPr id="2" name="Title 1"/>
-          <p:cNvSpPr>
-            <a:spLocks noGrp="1"/>
-          </p:cNvSpPr>
-          <p:nvPr>
-            <p:ph type="title"/>
-          </p:nvPr>
-        </p:nvSpPr>
-        <p:spPr/>
-        <p:txBody>
-          <a:bodyPr/>
-          <a:lstStyle/>
-          <a:p>
-            <a:r>
-              <a:rPr lang="en-US" dirty="0" smtClean="0"/>
               <a:t>2. What range of week numbers are missing from the dataset?</a:t>
             </a:r>
             <a:endParaRPr lang="en-IN" dirty="0"/>
@@ -6103,7 +5570,7 @@
           <a:p>
             <a:fld id="{0E0A98B7-5F2D-42E5-BCC6-EF153DDAE78D}" type="datetime1">
               <a:rPr lang="en-IN" smtClean="0"/>
-              <a:t>11-04-2024</a:t>
+              <a:t>17-04-2024</a:t>
             </a:fld>
             <a:endParaRPr lang="en-IN"/>
           </a:p>
@@ -6149,7 +5616,7 @@
           <a:p>
             <a:fld id="{4D56EA6E-C7E6-4307-977B-6BCFDF7E5730}" type="slidenum">
               <a:rPr lang="en-IN" smtClean="0"/>
-              <a:t>8</a:t>
+              <a:t>7</a:t>
             </a:fld>
             <a:endParaRPr lang="en-IN"/>
           </a:p>
@@ -6192,6 +5659,154 @@
 </p:sld>
 </file>
 
+<file path=ppt/slides/slide8.xml><?xml version="1.0" encoding="utf-8"?>
+<p:sld xmlns:a="http://schemas.openxmlformats.org/drawingml/2006/main" xmlns:r="http://schemas.openxmlformats.org/officeDocument/2006/relationships" xmlns:p="http://schemas.openxmlformats.org/presentationml/2006/main">
+  <p:cSld>
+    <p:spTree>
+      <p:nvGrpSpPr>
+        <p:cNvPr id="1" name=""/>
+        <p:cNvGrpSpPr/>
+        <p:nvPr/>
+      </p:nvGrpSpPr>
+      <p:grpSpPr>
+        <a:xfrm>
+          <a:off x="0" y="0"/>
+          <a:ext cx="0" cy="0"/>
+          <a:chOff x="0" y="0"/>
+          <a:chExt cx="0" cy="0"/>
+        </a:xfrm>
+      </p:grpSpPr>
+      <p:sp>
+        <p:nvSpPr>
+          <p:cNvPr id="2" name="Title 1"/>
+          <p:cNvSpPr>
+            <a:spLocks noGrp="1"/>
+          </p:cNvSpPr>
+          <p:nvPr>
+            <p:ph type="title"/>
+          </p:nvPr>
+        </p:nvSpPr>
+        <p:spPr/>
+        <p:txBody>
+          <a:bodyPr/>
+          <a:lstStyle/>
+          <a:p>
+            <a:r>
+              <a:rPr lang="en-US" dirty="0" smtClean="0"/>
+              <a:t>3. How many total transactions were there for each year in the dataset?</a:t>
+            </a:r>
+            <a:endParaRPr lang="en-IN" dirty="0"/>
+          </a:p>
+        </p:txBody>
+      </p:sp>
+      <p:pic>
+        <p:nvPicPr>
+          <p:cNvPr id="7" name="Content Placeholder 6"/>
+          <p:cNvPicPr>
+            <a:picLocks noGrp="1" noChangeAspect="1"/>
+          </p:cNvPicPr>
+          <p:nvPr>
+            <p:ph idx="1"/>
+          </p:nvPr>
+        </p:nvPicPr>
+        <p:blipFill>
+          <a:blip r:embed="rId2"/>
+          <a:stretch>
+            <a:fillRect/>
+          </a:stretch>
+        </p:blipFill>
+        <p:spPr>
+          <a:xfrm>
+            <a:off x="1966191" y="1685312"/>
+            <a:ext cx="8259618" cy="4671038"/>
+          </a:xfrm>
+          <a:prstGeom prst="rect">
+            <a:avLst/>
+          </a:prstGeom>
+        </p:spPr>
+      </p:pic>
+      <p:sp>
+        <p:nvSpPr>
+          <p:cNvPr id="4" name="Date Placeholder 3"/>
+          <p:cNvSpPr>
+            <a:spLocks noGrp="1"/>
+          </p:cNvSpPr>
+          <p:nvPr>
+            <p:ph type="dt" sz="half" idx="10"/>
+          </p:nvPr>
+        </p:nvSpPr>
+        <p:spPr/>
+        <p:txBody>
+          <a:bodyPr/>
+          <a:lstStyle/>
+          <a:p>
+            <a:fld id="{0E0A98B7-5F2D-42E5-BCC6-EF153DDAE78D}" type="datetime1">
+              <a:rPr lang="en-IN" smtClean="0"/>
+              <a:t>17-04-2024</a:t>
+            </a:fld>
+            <a:endParaRPr lang="en-IN"/>
+          </a:p>
+        </p:txBody>
+      </p:sp>
+      <p:sp>
+        <p:nvSpPr>
+          <p:cNvPr id="5" name="Footer Placeholder 4"/>
+          <p:cNvSpPr>
+            <a:spLocks noGrp="1"/>
+          </p:cNvSpPr>
+          <p:nvPr>
+            <p:ph type="ftr" sz="quarter" idx="11"/>
+          </p:nvPr>
+        </p:nvSpPr>
+        <p:spPr/>
+        <p:txBody>
+          <a:bodyPr/>
+          <a:lstStyle/>
+          <a:p>
+            <a:r>
+              <a:rPr lang="en-IN" smtClean="0"/>
+              <a:t>Case Study#5- Krishnan S</a:t>
+            </a:r>
+            <a:endParaRPr lang="en-IN"/>
+          </a:p>
+        </p:txBody>
+      </p:sp>
+      <p:sp>
+        <p:nvSpPr>
+          <p:cNvPr id="6" name="Slide Number Placeholder 5"/>
+          <p:cNvSpPr>
+            <a:spLocks noGrp="1"/>
+          </p:cNvSpPr>
+          <p:nvPr>
+            <p:ph type="sldNum" sz="quarter" idx="12"/>
+          </p:nvPr>
+        </p:nvSpPr>
+        <p:spPr/>
+        <p:txBody>
+          <a:bodyPr/>
+          <a:lstStyle/>
+          <a:p>
+            <a:fld id="{4D56EA6E-C7E6-4307-977B-6BCFDF7E5730}" type="slidenum">
+              <a:rPr lang="en-IN" smtClean="0"/>
+              <a:t>8</a:t>
+            </a:fld>
+            <a:endParaRPr lang="en-IN"/>
+          </a:p>
+        </p:txBody>
+      </p:sp>
+    </p:spTree>
+    <p:extLst>
+      <p:ext uri="{BB962C8B-B14F-4D97-AF65-F5344CB8AC3E}">
+        <p14:creationId xmlns:p14="http://schemas.microsoft.com/office/powerpoint/2010/main" val="3741011076"/>
+      </p:ext>
+    </p:extLst>
+  </p:cSld>
+  <p:clrMapOvr>
+    <a:masterClrMapping/>
+  </p:clrMapOvr>
+</p:sld>
+</file>
+
 <file path=ppt/slides/slide9.xml><?xml version="1.0" encoding="utf-8"?>
 <p:sld xmlns:a="http://schemas.openxmlformats.org/drawingml/2006/main" xmlns:r="http://schemas.openxmlformats.org/officeDocument/2006/relationships" xmlns:p="http://schemas.openxmlformats.org/presentationml/2006/main">
   <p:cSld>
@@ -6226,7 +5841,7 @@
           <a:p>
             <a:r>
               <a:rPr lang="en-US" dirty="0" smtClean="0"/>
-              <a:t>3. How many total transactions were there for each year in the dataset?</a:t>
+              <a:t>4. What is the total sales for each region for each month?</a:t>
             </a:r>
             <a:endParaRPr lang="en-IN" dirty="0"/>
           </a:p>
@@ -6250,8 +5865,8 @@
         </p:blipFill>
         <p:spPr>
           <a:xfrm>
-            <a:off x="1966191" y="1685312"/>
-            <a:ext cx="8259618" cy="4671038"/>
+            <a:off x="3785881" y="1689910"/>
+            <a:ext cx="4620237" cy="4666440"/>
           </a:xfrm>
           <a:prstGeom prst="rect">
             <a:avLst/>
@@ -6275,7 +5890,7 @@
           <a:p>
             <a:fld id="{0E0A98B7-5F2D-42E5-BCC6-EF153DDAE78D}" type="datetime1">
               <a:rPr lang="en-IN" smtClean="0"/>
-              <a:t>11-04-2024</a:t>
+              <a:t>17-04-2024</a:t>
             </a:fld>
             <a:endParaRPr lang="en-IN"/>
           </a:p>
@@ -6330,7 +5945,7 @@
     </p:spTree>
     <p:extLst>
       <p:ext uri="{BB962C8B-B14F-4D97-AF65-F5344CB8AC3E}">
-        <p14:creationId xmlns:p14="http://schemas.microsoft.com/office/powerpoint/2010/main" val="3741011076"/>
+        <p14:creationId xmlns:p14="http://schemas.microsoft.com/office/powerpoint/2010/main" val="1768008513"/>
       </p:ext>
     </p:extLst>
   </p:cSld>

--- a/Case Study 5/Data Mart.pptx
+++ b/Case Study 5/Data Mart.pptx
@@ -210,7 +210,7 @@
           <a:p>
             <a:fld id="{00366D27-DF58-4C85-A8C3-A5BE98E64597}" type="datetimeFigureOut">
               <a:rPr lang="en-IN" smtClean="0"/>
-              <a:t>17-04-2024</a:t>
+              <a:t>27-04-2024</a:t>
             </a:fld>
             <a:endParaRPr lang="en-IN"/>
           </a:p>
@@ -693,7 +693,7 @@
           <a:p>
             <a:fld id="{8AF8CC8E-3BDF-4B39-A7F8-9FA8A339BB08}" type="datetime1">
               <a:rPr lang="en-IN" smtClean="0"/>
-              <a:t>17-04-2024</a:t>
+              <a:t>27-04-2024</a:t>
             </a:fld>
             <a:endParaRPr lang="en-IN"/>
           </a:p>
@@ -867,7 +867,7 @@
           <a:p>
             <a:fld id="{19F39A51-0701-4BF9-8615-A64500CF0F39}" type="datetime1">
               <a:rPr lang="en-IN" smtClean="0"/>
-              <a:t>17-04-2024</a:t>
+              <a:t>27-04-2024</a:t>
             </a:fld>
             <a:endParaRPr lang="en-IN"/>
           </a:p>
@@ -1051,7 +1051,7 @@
           <a:p>
             <a:fld id="{33004055-FB07-448F-9664-10CD3D0A7E49}" type="datetime1">
               <a:rPr lang="en-IN" smtClean="0"/>
-              <a:t>17-04-2024</a:t>
+              <a:t>27-04-2024</a:t>
             </a:fld>
             <a:endParaRPr lang="en-IN"/>
           </a:p>
@@ -1225,7 +1225,7 @@
           <a:p>
             <a:fld id="{0E0A98B7-5F2D-42E5-BCC6-EF153DDAE78D}" type="datetime1">
               <a:rPr lang="en-IN" smtClean="0"/>
-              <a:t>17-04-2024</a:t>
+              <a:t>27-04-2024</a:t>
             </a:fld>
             <a:endParaRPr lang="en-IN"/>
           </a:p>
@@ -1475,7 +1475,7 @@
           <a:p>
             <a:fld id="{7694393C-8F5F-4CFB-9879-D953088384B2}" type="datetime1">
               <a:rPr lang="en-IN" smtClean="0"/>
-              <a:t>17-04-2024</a:t>
+              <a:t>27-04-2024</a:t>
             </a:fld>
             <a:endParaRPr lang="en-IN"/>
           </a:p>
@@ -1711,7 +1711,7 @@
           <a:p>
             <a:fld id="{44BACBED-7862-4A9E-8F72-021DD0D52CAF}" type="datetime1">
               <a:rPr lang="en-IN" smtClean="0"/>
-              <a:t>17-04-2024</a:t>
+              <a:t>27-04-2024</a:t>
             </a:fld>
             <a:endParaRPr lang="en-IN"/>
           </a:p>
@@ -2082,7 +2082,7 @@
           <a:p>
             <a:fld id="{69FEDFDF-084A-4030-BFC4-AD47C56512CE}" type="datetime1">
               <a:rPr lang="en-IN" smtClean="0"/>
-              <a:t>17-04-2024</a:t>
+              <a:t>27-04-2024</a:t>
             </a:fld>
             <a:endParaRPr lang="en-IN"/>
           </a:p>
@@ -2204,7 +2204,7 @@
           <a:p>
             <a:fld id="{88EF7E2B-16AB-4874-B980-5FB64A1ED53D}" type="datetime1">
               <a:rPr lang="en-IN" smtClean="0"/>
-              <a:t>17-04-2024</a:t>
+              <a:t>27-04-2024</a:t>
             </a:fld>
             <a:endParaRPr lang="en-IN"/>
           </a:p>
@@ -2303,7 +2303,7 @@
           <a:p>
             <a:fld id="{173CBD0D-3804-4917-9FC6-2E7B263E4ED1}" type="datetime1">
               <a:rPr lang="en-IN" smtClean="0"/>
-              <a:t>17-04-2024</a:t>
+              <a:t>27-04-2024</a:t>
             </a:fld>
             <a:endParaRPr lang="en-IN"/>
           </a:p>
@@ -2584,7 +2584,7 @@
           <a:p>
             <a:fld id="{6A35B4EA-B5F7-4845-9CC7-87EE373CC1BE}" type="datetime1">
               <a:rPr lang="en-IN" smtClean="0"/>
-              <a:t>17-04-2024</a:t>
+              <a:t>27-04-2024</a:t>
             </a:fld>
             <a:endParaRPr lang="en-IN"/>
           </a:p>
@@ -2841,7 +2841,7 @@
           <a:p>
             <a:fld id="{1ACD48F1-EE3B-45FB-B544-F54DF95B4752}" type="datetime1">
               <a:rPr lang="en-IN" smtClean="0"/>
-              <a:t>17-04-2024</a:t>
+              <a:t>27-04-2024</a:t>
             </a:fld>
             <a:endParaRPr lang="en-IN"/>
           </a:p>
@@ -3058,7 +3058,7 @@
           <a:p>
             <a:fld id="{D418DDDF-6107-41C1-9A59-0ACBD5CC560B}" type="datetime1">
               <a:rPr lang="en-IN" smtClean="0"/>
-              <a:t>17-04-2024</a:t>
+              <a:t>27-04-2024</a:t>
             </a:fld>
             <a:endParaRPr lang="en-IN"/>
           </a:p>
@@ -3583,7 +3583,7 @@
           <a:p>
             <a:fld id="{B364C5B5-2BA6-4265-A6ED-38162BE6D13C}" type="datetime1">
               <a:rPr lang="en-IN" smtClean="0"/>
-              <a:t>17-04-2024</a:t>
+              <a:t>27-04-2024</a:t>
             </a:fld>
             <a:endParaRPr lang="en-IN"/>
           </a:p>
@@ -3731,7 +3731,7 @@
           <a:p>
             <a:fld id="{0E0A98B7-5F2D-42E5-BCC6-EF153DDAE78D}" type="datetime1">
               <a:rPr lang="en-IN" smtClean="0"/>
-              <a:t>17-04-2024</a:t>
+              <a:t>27-04-2024</a:t>
             </a:fld>
             <a:endParaRPr lang="en-IN"/>
           </a:p>
@@ -3905,7 +3905,7 @@
           <a:p>
             <a:fld id="{44BACBED-7862-4A9E-8F72-021DD0D52CAF}" type="datetime1">
               <a:rPr lang="en-IN" smtClean="0"/>
-              <a:t>17-04-2024</a:t>
+              <a:t>27-04-2024</a:t>
             </a:fld>
             <a:endParaRPr lang="en-IN"/>
           </a:p>
@@ -4079,7 +4079,7 @@
           <a:p>
             <a:fld id="{44BACBED-7862-4A9E-8F72-021DD0D52CAF}" type="datetime1">
               <a:rPr lang="en-IN" smtClean="0"/>
-              <a:t>17-04-2024</a:t>
+              <a:t>27-04-2024</a:t>
             </a:fld>
             <a:endParaRPr lang="en-IN"/>
           </a:p>
@@ -4261,7 +4261,7 @@
           <a:p>
             <a:fld id="{44BACBED-7862-4A9E-8F72-021DD0D52CAF}" type="datetime1">
               <a:rPr lang="en-IN" smtClean="0"/>
-              <a:t>17-04-2024</a:t>
+              <a:t>27-04-2024</a:t>
             </a:fld>
             <a:endParaRPr lang="en-IN"/>
           </a:p>
@@ -4394,8 +4394,8 @@
         </p:blipFill>
         <p:spPr>
           <a:xfrm>
-            <a:off x="838200" y="3068775"/>
-            <a:ext cx="5279818" cy="1900390"/>
+            <a:off x="413328" y="2717793"/>
+            <a:ext cx="5664732" cy="2038934"/>
           </a:xfrm>
           <a:prstGeom prst="rect">
             <a:avLst/>
@@ -4420,8 +4420,8 @@
         </p:blipFill>
         <p:spPr>
           <a:xfrm>
-            <a:off x="6172200" y="2955345"/>
-            <a:ext cx="5181600" cy="2091896"/>
+            <a:off x="6078060" y="2717793"/>
+            <a:ext cx="5691008" cy="2297552"/>
           </a:xfrm>
           <a:prstGeom prst="rect">
             <a:avLst/>
@@ -4445,7 +4445,7 @@
           <a:p>
             <a:fld id="{44BACBED-7862-4A9E-8F72-021DD0D52CAF}" type="datetime1">
               <a:rPr lang="en-IN" smtClean="0"/>
-              <a:t>17-04-2024</a:t>
+              <a:t>27-04-2024</a:t>
             </a:fld>
             <a:endParaRPr lang="en-IN"/>
           </a:p>
@@ -4669,7 +4669,7 @@
           <a:p>
             <a:fld id="{0E0A98B7-5F2D-42E5-BCC6-EF153DDAE78D}" type="datetime1">
               <a:rPr lang="en-IN" smtClean="0"/>
-              <a:t>17-04-2024</a:t>
+              <a:t>27-04-2024</a:t>
             </a:fld>
             <a:endParaRPr lang="en-IN"/>
           </a:p>
@@ -4797,7 +4797,7 @@
           <a:p>
             <a:fld id="{0E0A98B7-5F2D-42E5-BCC6-EF153DDAE78D}" type="datetime1">
               <a:rPr lang="en-IN" smtClean="0"/>
-              <a:t>17-04-2024</a:t>
+              <a:t>27-04-2024</a:t>
             </a:fld>
             <a:endParaRPr lang="en-IN"/>
           </a:p>
@@ -5003,7 +5003,7 @@
           <a:p>
             <a:fld id="{44BACBED-7862-4A9E-8F72-021DD0D52CAF}" type="datetime1">
               <a:rPr lang="en-IN" smtClean="0"/>
-              <a:t>17-04-2024</a:t>
+              <a:t>27-04-2024</a:t>
             </a:fld>
             <a:endParaRPr lang="en-IN"/>
           </a:p>
@@ -5266,7 +5266,7 @@
           <a:p>
             <a:fld id="{0E0A98B7-5F2D-42E5-BCC6-EF153DDAE78D}" type="datetime1">
               <a:rPr lang="en-IN" smtClean="0"/>
-              <a:t>17-04-2024</a:t>
+              <a:t>27-04-2024</a:t>
             </a:fld>
             <a:endParaRPr lang="en-IN"/>
           </a:p>
@@ -5422,7 +5422,7 @@
           <a:p>
             <a:fld id="{0E0A98B7-5F2D-42E5-BCC6-EF153DDAE78D}" type="datetime1">
               <a:rPr lang="en-IN" smtClean="0"/>
-              <a:t>17-04-2024</a:t>
+              <a:t>27-04-2024</a:t>
             </a:fld>
             <a:endParaRPr lang="en-IN"/>
           </a:p>
@@ -5570,7 +5570,7 @@
           <a:p>
             <a:fld id="{0E0A98B7-5F2D-42E5-BCC6-EF153DDAE78D}" type="datetime1">
               <a:rPr lang="en-IN" smtClean="0"/>
-              <a:t>17-04-2024</a:t>
+              <a:t>27-04-2024</a:t>
             </a:fld>
             <a:endParaRPr lang="en-IN"/>
           </a:p>
@@ -5742,7 +5742,7 @@
           <a:p>
             <a:fld id="{0E0A98B7-5F2D-42E5-BCC6-EF153DDAE78D}" type="datetime1">
               <a:rPr lang="en-IN" smtClean="0"/>
-              <a:t>17-04-2024</a:t>
+              <a:t>27-04-2024</a:t>
             </a:fld>
             <a:endParaRPr lang="en-IN"/>
           </a:p>
@@ -5890,7 +5890,7 @@
           <a:p>
             <a:fld id="{0E0A98B7-5F2D-42E5-BCC6-EF153DDAE78D}" type="datetime1">
               <a:rPr lang="en-IN" smtClean="0"/>
-              <a:t>17-04-2024</a:t>
+              <a:t>27-04-2024</a:t>
             </a:fld>
             <a:endParaRPr lang="en-IN"/>
           </a:p>
